--- a/rachel_usability screenshots_pptx.pptx
+++ b/rachel_usability screenshots_pptx.pptx
@@ -5,11 +5,19 @@
     <p:sldMasterId id="2147483648" r:id="rId1"/>
   </p:sldMasterIdLst>
   <p:notesMasterIdLst>
-    <p:notesMasterId r:id="rId4"/>
+    <p:notesMasterId r:id="rId12"/>
   </p:notesMasterIdLst>
   <p:sldIdLst>
     <p:sldId id="256" r:id="rId2"/>
-    <p:sldId id="257" r:id="rId3"/>
+    <p:sldId id="258" r:id="rId3"/>
+    <p:sldId id="259" r:id="rId4"/>
+    <p:sldId id="260" r:id="rId5"/>
+    <p:sldId id="261" r:id="rId6"/>
+    <p:sldId id="257" r:id="rId7"/>
+    <p:sldId id="262" r:id="rId8"/>
+    <p:sldId id="263" r:id="rId9"/>
+    <p:sldId id="264" r:id="rId10"/>
+    <p:sldId id="265" r:id="rId11"/>
   </p:sldIdLst>
   <p:sldSz cx="9144000" cy="6858000" type="screen4x3"/>
   <p:notesSz cx="6858000" cy="9144000"/>
@@ -193,7 +201,7 @@
           <a:p>
             <a:fld id="{09266A7E-1B20-4EBB-87DA-2ECF848E6AD6}" type="datetimeFigureOut">
               <a:rPr lang="en-US" smtClean="0"/>
-              <a:t>2/7/2012</a:t>
+              <a:t>2/8/2012</a:t>
             </a:fld>
             <a:endParaRPr lang="en-US"/>
           </a:p>
@@ -549,6 +557,94 @@
 </p:notes>
 </file>
 
+<file path=ppt/notesSlides/notesSlide10.xml><?xml version="1.0" encoding="utf-8"?>
+<p:notes xmlns:a="http://schemas.openxmlformats.org/drawingml/2006/main" xmlns:r="http://schemas.openxmlformats.org/officeDocument/2006/relationships" xmlns:p="http://schemas.openxmlformats.org/presentationml/2006/main">
+  <p:cSld>
+    <p:spTree>
+      <p:nvGrpSpPr>
+        <p:cNvPr id="1" name=""/>
+        <p:cNvGrpSpPr/>
+        <p:nvPr/>
+      </p:nvGrpSpPr>
+      <p:grpSpPr>
+        <a:xfrm>
+          <a:off x="0" y="0"/>
+          <a:ext cx="0" cy="0"/>
+          <a:chOff x="0" y="0"/>
+          <a:chExt cx="0" cy="0"/>
+        </a:xfrm>
+      </p:grpSpPr>
+      <p:sp>
+        <p:nvSpPr>
+          <p:cNvPr id="2" name="Slide Image Placeholder 1"/>
+          <p:cNvSpPr>
+            <a:spLocks noGrp="1" noRot="1" noChangeAspect="1"/>
+          </p:cNvSpPr>
+          <p:nvPr>
+            <p:ph type="sldImg"/>
+          </p:nvPr>
+        </p:nvSpPr>
+        <p:spPr/>
+      </p:sp>
+      <p:sp>
+        <p:nvSpPr>
+          <p:cNvPr id="3" name="Notes Placeholder 2"/>
+          <p:cNvSpPr>
+            <a:spLocks noGrp="1"/>
+          </p:cNvSpPr>
+          <p:nvPr>
+            <p:ph type="body" idx="1"/>
+          </p:nvPr>
+        </p:nvSpPr>
+        <p:spPr/>
+        <p:txBody>
+          <a:bodyPr/>
+          <a:lstStyle/>
+          <a:p>
+            <a:r>
+              <a:rPr lang="en-US" dirty="0" smtClean="0"/>
+              <a:t>10. HELP/DOCUMENTATION</a:t>
+            </a:r>
+            <a:endParaRPr lang="en-US" dirty="0"/>
+          </a:p>
+        </p:txBody>
+      </p:sp>
+      <p:sp>
+        <p:nvSpPr>
+          <p:cNvPr id="4" name="Slide Number Placeholder 3"/>
+          <p:cNvSpPr>
+            <a:spLocks noGrp="1"/>
+          </p:cNvSpPr>
+          <p:nvPr>
+            <p:ph type="sldNum" sz="quarter" idx="10"/>
+          </p:nvPr>
+        </p:nvSpPr>
+        <p:spPr/>
+        <p:txBody>
+          <a:bodyPr/>
+          <a:lstStyle/>
+          <a:p>
+            <a:fld id="{5B27187B-EE77-4C24-A527-8E5A52A6AF03}" type="slidenum">
+              <a:rPr lang="en-US" smtClean="0"/>
+              <a:t>10</a:t>
+            </a:fld>
+            <a:endParaRPr lang="en-US"/>
+          </a:p>
+        </p:txBody>
+      </p:sp>
+    </p:spTree>
+    <p:extLst>
+      <p:ext uri="{BB962C8B-B14F-4D97-AF65-F5344CB8AC3E}">
+        <p14:creationId xmlns:p14="http://schemas.microsoft.com/office/powerpoint/2010/main" val="647240379"/>
+      </p:ext>
+    </p:extLst>
+  </p:cSld>
+  <p:clrMapOvr>
+    <a:masterClrMapping/>
+  </p:clrMapOvr>
+</p:notes>
+</file>
+
 <file path=ppt/notesSlides/notesSlide2.xml><?xml version="1.0" encoding="utf-8"?>
 <p:notes xmlns:a="http://schemas.openxmlformats.org/drawingml/2006/main" xmlns:r="http://schemas.openxmlformats.org/officeDocument/2006/relationships" xmlns:p="http://schemas.openxmlformats.org/presentationml/2006/main">
   <p:cSld>
@@ -595,6 +691,364 @@
           <a:p>
             <a:r>
               <a:rPr lang="en-US" dirty="0" smtClean="0"/>
+              <a:t>2. LANGUAGE</a:t>
+            </a:r>
+          </a:p>
+          <a:p>
+            <a:endParaRPr lang="en-US" dirty="0"/>
+          </a:p>
+        </p:txBody>
+      </p:sp>
+      <p:sp>
+        <p:nvSpPr>
+          <p:cNvPr id="4" name="Slide Number Placeholder 3"/>
+          <p:cNvSpPr>
+            <a:spLocks noGrp="1"/>
+          </p:cNvSpPr>
+          <p:nvPr>
+            <p:ph type="sldNum" sz="quarter" idx="10"/>
+          </p:nvPr>
+        </p:nvSpPr>
+        <p:spPr/>
+        <p:txBody>
+          <a:bodyPr/>
+          <a:lstStyle/>
+          <a:p>
+            <a:fld id="{5B27187B-EE77-4C24-A527-8E5A52A6AF03}" type="slidenum">
+              <a:rPr lang="en-US" smtClean="0"/>
+              <a:t>2</a:t>
+            </a:fld>
+            <a:endParaRPr lang="en-US"/>
+          </a:p>
+        </p:txBody>
+      </p:sp>
+    </p:spTree>
+    <p:extLst>
+      <p:ext uri="{BB962C8B-B14F-4D97-AF65-F5344CB8AC3E}">
+        <p14:creationId xmlns:p14="http://schemas.microsoft.com/office/powerpoint/2010/main" val="3358768278"/>
+      </p:ext>
+    </p:extLst>
+  </p:cSld>
+  <p:clrMapOvr>
+    <a:masterClrMapping/>
+  </p:clrMapOvr>
+</p:notes>
+</file>
+
+<file path=ppt/notesSlides/notesSlide3.xml><?xml version="1.0" encoding="utf-8"?>
+<p:notes xmlns:a="http://schemas.openxmlformats.org/drawingml/2006/main" xmlns:r="http://schemas.openxmlformats.org/officeDocument/2006/relationships" xmlns:p="http://schemas.openxmlformats.org/presentationml/2006/main">
+  <p:cSld>
+    <p:spTree>
+      <p:nvGrpSpPr>
+        <p:cNvPr id="1" name=""/>
+        <p:cNvGrpSpPr/>
+        <p:nvPr/>
+      </p:nvGrpSpPr>
+      <p:grpSpPr>
+        <a:xfrm>
+          <a:off x="0" y="0"/>
+          <a:ext cx="0" cy="0"/>
+          <a:chOff x="0" y="0"/>
+          <a:chExt cx="0" cy="0"/>
+        </a:xfrm>
+      </p:grpSpPr>
+      <p:sp>
+        <p:nvSpPr>
+          <p:cNvPr id="2" name="Slide Image Placeholder 1"/>
+          <p:cNvSpPr>
+            <a:spLocks noGrp="1" noRot="1" noChangeAspect="1"/>
+          </p:cNvSpPr>
+          <p:nvPr>
+            <p:ph type="sldImg"/>
+          </p:nvPr>
+        </p:nvSpPr>
+        <p:spPr/>
+      </p:sp>
+      <p:sp>
+        <p:nvSpPr>
+          <p:cNvPr id="3" name="Notes Placeholder 2"/>
+          <p:cNvSpPr>
+            <a:spLocks noGrp="1"/>
+          </p:cNvSpPr>
+          <p:nvPr>
+            <p:ph type="body" idx="1"/>
+          </p:nvPr>
+        </p:nvSpPr>
+        <p:spPr/>
+        <p:txBody>
+          <a:bodyPr/>
+          <a:lstStyle/>
+          <a:p>
+            <a:r>
+              <a:rPr lang="en-US" dirty="0" smtClean="0"/>
+              <a:t>3. USER</a:t>
+            </a:r>
+            <a:r>
+              <a:rPr lang="en-US" baseline="0" dirty="0" smtClean="0"/>
+              <a:t> CONTROL</a:t>
+            </a:r>
+            <a:endParaRPr lang="en-US" dirty="0"/>
+          </a:p>
+        </p:txBody>
+      </p:sp>
+      <p:sp>
+        <p:nvSpPr>
+          <p:cNvPr id="4" name="Slide Number Placeholder 3"/>
+          <p:cNvSpPr>
+            <a:spLocks noGrp="1"/>
+          </p:cNvSpPr>
+          <p:nvPr>
+            <p:ph type="sldNum" sz="quarter" idx="10"/>
+          </p:nvPr>
+        </p:nvSpPr>
+        <p:spPr/>
+        <p:txBody>
+          <a:bodyPr/>
+          <a:lstStyle/>
+          <a:p>
+            <a:fld id="{5B27187B-EE77-4C24-A527-8E5A52A6AF03}" type="slidenum">
+              <a:rPr lang="en-US" smtClean="0"/>
+              <a:t>3</a:t>
+            </a:fld>
+            <a:endParaRPr lang="en-US"/>
+          </a:p>
+        </p:txBody>
+      </p:sp>
+    </p:spTree>
+    <p:extLst>
+      <p:ext uri="{BB962C8B-B14F-4D97-AF65-F5344CB8AC3E}">
+        <p14:creationId xmlns:p14="http://schemas.microsoft.com/office/powerpoint/2010/main" val="1479001526"/>
+      </p:ext>
+    </p:extLst>
+  </p:cSld>
+  <p:clrMapOvr>
+    <a:masterClrMapping/>
+  </p:clrMapOvr>
+</p:notes>
+</file>
+
+<file path=ppt/notesSlides/notesSlide4.xml><?xml version="1.0" encoding="utf-8"?>
+<p:notes xmlns:a="http://schemas.openxmlformats.org/drawingml/2006/main" xmlns:r="http://schemas.openxmlformats.org/officeDocument/2006/relationships" xmlns:p="http://schemas.openxmlformats.org/presentationml/2006/main">
+  <p:cSld>
+    <p:spTree>
+      <p:nvGrpSpPr>
+        <p:cNvPr id="1" name=""/>
+        <p:cNvGrpSpPr/>
+        <p:nvPr/>
+      </p:nvGrpSpPr>
+      <p:grpSpPr>
+        <a:xfrm>
+          <a:off x="0" y="0"/>
+          <a:ext cx="0" cy="0"/>
+          <a:chOff x="0" y="0"/>
+          <a:chExt cx="0" cy="0"/>
+        </a:xfrm>
+      </p:grpSpPr>
+      <p:sp>
+        <p:nvSpPr>
+          <p:cNvPr id="2" name="Slide Image Placeholder 1"/>
+          <p:cNvSpPr>
+            <a:spLocks noGrp="1" noRot="1" noChangeAspect="1"/>
+          </p:cNvSpPr>
+          <p:nvPr>
+            <p:ph type="sldImg"/>
+          </p:nvPr>
+        </p:nvSpPr>
+        <p:spPr/>
+      </p:sp>
+      <p:sp>
+        <p:nvSpPr>
+          <p:cNvPr id="3" name="Notes Placeholder 2"/>
+          <p:cNvSpPr>
+            <a:spLocks noGrp="1"/>
+          </p:cNvSpPr>
+          <p:nvPr>
+            <p:ph type="body" idx="1"/>
+          </p:nvPr>
+        </p:nvSpPr>
+        <p:spPr/>
+        <p:txBody>
+          <a:bodyPr/>
+          <a:lstStyle/>
+          <a:p>
+            <a:r>
+              <a:rPr lang="en-US" dirty="0" smtClean="0"/>
+              <a:t>4. CONSISTENCY</a:t>
+            </a:r>
+            <a:endParaRPr lang="en-US" dirty="0"/>
+          </a:p>
+        </p:txBody>
+      </p:sp>
+      <p:sp>
+        <p:nvSpPr>
+          <p:cNvPr id="4" name="Slide Number Placeholder 3"/>
+          <p:cNvSpPr>
+            <a:spLocks noGrp="1"/>
+          </p:cNvSpPr>
+          <p:nvPr>
+            <p:ph type="sldNum" sz="quarter" idx="10"/>
+          </p:nvPr>
+        </p:nvSpPr>
+        <p:spPr/>
+        <p:txBody>
+          <a:bodyPr/>
+          <a:lstStyle/>
+          <a:p>
+            <a:fld id="{5B27187B-EE77-4C24-A527-8E5A52A6AF03}" type="slidenum">
+              <a:rPr lang="en-US" smtClean="0"/>
+              <a:t>4</a:t>
+            </a:fld>
+            <a:endParaRPr lang="en-US"/>
+          </a:p>
+        </p:txBody>
+      </p:sp>
+    </p:spTree>
+    <p:extLst>
+      <p:ext uri="{BB962C8B-B14F-4D97-AF65-F5344CB8AC3E}">
+        <p14:creationId xmlns:p14="http://schemas.microsoft.com/office/powerpoint/2010/main" val="647240379"/>
+      </p:ext>
+    </p:extLst>
+  </p:cSld>
+  <p:clrMapOvr>
+    <a:masterClrMapping/>
+  </p:clrMapOvr>
+</p:notes>
+</file>
+
+<file path=ppt/notesSlides/notesSlide5.xml><?xml version="1.0" encoding="utf-8"?>
+<p:notes xmlns:a="http://schemas.openxmlformats.org/drawingml/2006/main" xmlns:r="http://schemas.openxmlformats.org/officeDocument/2006/relationships" xmlns:p="http://schemas.openxmlformats.org/presentationml/2006/main">
+  <p:cSld>
+    <p:spTree>
+      <p:nvGrpSpPr>
+        <p:cNvPr id="1" name=""/>
+        <p:cNvGrpSpPr/>
+        <p:nvPr/>
+      </p:nvGrpSpPr>
+      <p:grpSpPr>
+        <a:xfrm>
+          <a:off x="0" y="0"/>
+          <a:ext cx="0" cy="0"/>
+          <a:chOff x="0" y="0"/>
+          <a:chExt cx="0" cy="0"/>
+        </a:xfrm>
+      </p:grpSpPr>
+      <p:sp>
+        <p:nvSpPr>
+          <p:cNvPr id="2" name="Slide Image Placeholder 1"/>
+          <p:cNvSpPr>
+            <a:spLocks noGrp="1" noRot="1" noChangeAspect="1"/>
+          </p:cNvSpPr>
+          <p:nvPr>
+            <p:ph type="sldImg"/>
+          </p:nvPr>
+        </p:nvSpPr>
+        <p:spPr/>
+      </p:sp>
+      <p:sp>
+        <p:nvSpPr>
+          <p:cNvPr id="3" name="Notes Placeholder 2"/>
+          <p:cNvSpPr>
+            <a:spLocks noGrp="1"/>
+          </p:cNvSpPr>
+          <p:nvPr>
+            <p:ph type="body" idx="1"/>
+          </p:nvPr>
+        </p:nvSpPr>
+        <p:spPr/>
+        <p:txBody>
+          <a:bodyPr/>
+          <a:lstStyle/>
+          <a:p>
+            <a:r>
+              <a:rPr lang="en-US" dirty="0" smtClean="0"/>
+              <a:t>5. ERROR PREVENTION</a:t>
+            </a:r>
+            <a:endParaRPr lang="en-US" dirty="0"/>
+          </a:p>
+        </p:txBody>
+      </p:sp>
+      <p:sp>
+        <p:nvSpPr>
+          <p:cNvPr id="4" name="Slide Number Placeholder 3"/>
+          <p:cNvSpPr>
+            <a:spLocks noGrp="1"/>
+          </p:cNvSpPr>
+          <p:nvPr>
+            <p:ph type="sldNum" sz="quarter" idx="10"/>
+          </p:nvPr>
+        </p:nvSpPr>
+        <p:spPr/>
+        <p:txBody>
+          <a:bodyPr/>
+          <a:lstStyle/>
+          <a:p>
+            <a:fld id="{5B27187B-EE77-4C24-A527-8E5A52A6AF03}" type="slidenum">
+              <a:rPr lang="en-US" smtClean="0"/>
+              <a:t>5</a:t>
+            </a:fld>
+            <a:endParaRPr lang="en-US"/>
+          </a:p>
+        </p:txBody>
+      </p:sp>
+    </p:spTree>
+    <p:extLst>
+      <p:ext uri="{BB962C8B-B14F-4D97-AF65-F5344CB8AC3E}">
+        <p14:creationId xmlns:p14="http://schemas.microsoft.com/office/powerpoint/2010/main" val="647240379"/>
+      </p:ext>
+    </p:extLst>
+  </p:cSld>
+  <p:clrMapOvr>
+    <a:masterClrMapping/>
+  </p:clrMapOvr>
+</p:notes>
+</file>
+
+<file path=ppt/notesSlides/notesSlide6.xml><?xml version="1.0" encoding="utf-8"?>
+<p:notes xmlns:a="http://schemas.openxmlformats.org/drawingml/2006/main" xmlns:r="http://schemas.openxmlformats.org/officeDocument/2006/relationships" xmlns:p="http://schemas.openxmlformats.org/presentationml/2006/main">
+  <p:cSld>
+    <p:spTree>
+      <p:nvGrpSpPr>
+        <p:cNvPr id="1" name=""/>
+        <p:cNvGrpSpPr/>
+        <p:nvPr/>
+      </p:nvGrpSpPr>
+      <p:grpSpPr>
+        <a:xfrm>
+          <a:off x="0" y="0"/>
+          <a:ext cx="0" cy="0"/>
+          <a:chOff x="0" y="0"/>
+          <a:chExt cx="0" cy="0"/>
+        </a:xfrm>
+      </p:grpSpPr>
+      <p:sp>
+        <p:nvSpPr>
+          <p:cNvPr id="2" name="Slide Image Placeholder 1"/>
+          <p:cNvSpPr>
+            <a:spLocks noGrp="1" noRot="1" noChangeAspect="1"/>
+          </p:cNvSpPr>
+          <p:nvPr>
+            <p:ph type="sldImg"/>
+          </p:nvPr>
+        </p:nvSpPr>
+        <p:spPr/>
+      </p:sp>
+      <p:sp>
+        <p:nvSpPr>
+          <p:cNvPr id="3" name="Notes Placeholder 2"/>
+          <p:cNvSpPr>
+            <a:spLocks noGrp="1"/>
+          </p:cNvSpPr>
+          <p:nvPr>
+            <p:ph type="body" idx="1"/>
+          </p:nvPr>
+        </p:nvSpPr>
+        <p:spPr/>
+        <p:txBody>
+          <a:bodyPr/>
+          <a:lstStyle/>
+          <a:p>
+            <a:r>
+              <a:rPr lang="en-US" dirty="0" smtClean="0"/>
               <a:t>6. RECOGNITION: </a:t>
             </a:r>
           </a:p>
@@ -640,7 +1094,7 @@
           <a:p>
             <a:fld id="{5B27187B-EE77-4C24-A527-8E5A52A6AF03}" type="slidenum">
               <a:rPr lang="en-US" smtClean="0"/>
-              <a:t>2</a:t>
+              <a:t>6</a:t>
             </a:fld>
             <a:endParaRPr lang="en-US"/>
           </a:p>
@@ -650,6 +1104,282 @@
     <p:extLst>
       <p:ext uri="{BB962C8B-B14F-4D97-AF65-F5344CB8AC3E}">
         <p14:creationId xmlns:p14="http://schemas.microsoft.com/office/powerpoint/2010/main" val="3889344185"/>
+      </p:ext>
+    </p:extLst>
+  </p:cSld>
+  <p:clrMapOvr>
+    <a:masterClrMapping/>
+  </p:clrMapOvr>
+</p:notes>
+</file>
+
+<file path=ppt/notesSlides/notesSlide7.xml><?xml version="1.0" encoding="utf-8"?>
+<p:notes xmlns:a="http://schemas.openxmlformats.org/drawingml/2006/main" xmlns:r="http://schemas.openxmlformats.org/officeDocument/2006/relationships" xmlns:p="http://schemas.openxmlformats.org/presentationml/2006/main">
+  <p:cSld>
+    <p:spTree>
+      <p:nvGrpSpPr>
+        <p:cNvPr id="1" name=""/>
+        <p:cNvGrpSpPr/>
+        <p:nvPr/>
+      </p:nvGrpSpPr>
+      <p:grpSpPr>
+        <a:xfrm>
+          <a:off x="0" y="0"/>
+          <a:ext cx="0" cy="0"/>
+          <a:chOff x="0" y="0"/>
+          <a:chExt cx="0" cy="0"/>
+        </a:xfrm>
+      </p:grpSpPr>
+      <p:sp>
+        <p:nvSpPr>
+          <p:cNvPr id="2" name="Slide Image Placeholder 1"/>
+          <p:cNvSpPr>
+            <a:spLocks noGrp="1" noRot="1" noChangeAspect="1"/>
+          </p:cNvSpPr>
+          <p:nvPr>
+            <p:ph type="sldImg"/>
+          </p:nvPr>
+        </p:nvSpPr>
+        <p:spPr/>
+      </p:sp>
+      <p:sp>
+        <p:nvSpPr>
+          <p:cNvPr id="3" name="Notes Placeholder 2"/>
+          <p:cNvSpPr>
+            <a:spLocks noGrp="1"/>
+          </p:cNvSpPr>
+          <p:nvPr>
+            <p:ph type="body" idx="1"/>
+          </p:nvPr>
+        </p:nvSpPr>
+        <p:spPr/>
+        <p:txBody>
+          <a:bodyPr/>
+          <a:lstStyle/>
+          <a:p>
+            <a:r>
+              <a:rPr lang="en-US" dirty="0" smtClean="0"/>
+              <a:t>8.</a:t>
+            </a:r>
+            <a:r>
+              <a:rPr lang="en-US" baseline="0" dirty="0" smtClean="0"/>
+              <a:t> FLEXIBILITY AND EFFICIENCY</a:t>
+            </a:r>
+            <a:endParaRPr lang="en-US" dirty="0"/>
+          </a:p>
+        </p:txBody>
+      </p:sp>
+      <p:sp>
+        <p:nvSpPr>
+          <p:cNvPr id="4" name="Slide Number Placeholder 3"/>
+          <p:cNvSpPr>
+            <a:spLocks noGrp="1"/>
+          </p:cNvSpPr>
+          <p:nvPr>
+            <p:ph type="sldNum" sz="quarter" idx="10"/>
+          </p:nvPr>
+        </p:nvSpPr>
+        <p:spPr/>
+        <p:txBody>
+          <a:bodyPr/>
+          <a:lstStyle/>
+          <a:p>
+            <a:fld id="{5B27187B-EE77-4C24-A527-8E5A52A6AF03}" type="slidenum">
+              <a:rPr lang="en-US" smtClean="0"/>
+              <a:t>7</a:t>
+            </a:fld>
+            <a:endParaRPr lang="en-US"/>
+          </a:p>
+        </p:txBody>
+      </p:sp>
+    </p:spTree>
+    <p:extLst>
+      <p:ext uri="{BB962C8B-B14F-4D97-AF65-F5344CB8AC3E}">
+        <p14:creationId xmlns:p14="http://schemas.microsoft.com/office/powerpoint/2010/main" val="647240379"/>
+      </p:ext>
+    </p:extLst>
+  </p:cSld>
+  <p:clrMapOvr>
+    <a:masterClrMapping/>
+  </p:clrMapOvr>
+</p:notes>
+</file>
+
+<file path=ppt/notesSlides/notesSlide8.xml><?xml version="1.0" encoding="utf-8"?>
+<p:notes xmlns:a="http://schemas.openxmlformats.org/drawingml/2006/main" xmlns:r="http://schemas.openxmlformats.org/officeDocument/2006/relationships" xmlns:p="http://schemas.openxmlformats.org/presentationml/2006/main">
+  <p:cSld>
+    <p:spTree>
+      <p:nvGrpSpPr>
+        <p:cNvPr id="1" name=""/>
+        <p:cNvGrpSpPr/>
+        <p:nvPr/>
+      </p:nvGrpSpPr>
+      <p:grpSpPr>
+        <a:xfrm>
+          <a:off x="0" y="0"/>
+          <a:ext cx="0" cy="0"/>
+          <a:chOff x="0" y="0"/>
+          <a:chExt cx="0" cy="0"/>
+        </a:xfrm>
+      </p:grpSpPr>
+      <p:sp>
+        <p:nvSpPr>
+          <p:cNvPr id="2" name="Slide Image Placeholder 1"/>
+          <p:cNvSpPr>
+            <a:spLocks noGrp="1" noRot="1" noChangeAspect="1"/>
+          </p:cNvSpPr>
+          <p:nvPr>
+            <p:ph type="sldImg"/>
+          </p:nvPr>
+        </p:nvSpPr>
+        <p:spPr/>
+      </p:sp>
+      <p:sp>
+        <p:nvSpPr>
+          <p:cNvPr id="3" name="Notes Placeholder 2"/>
+          <p:cNvSpPr>
+            <a:spLocks noGrp="1"/>
+          </p:cNvSpPr>
+          <p:nvPr>
+            <p:ph type="body" idx="1"/>
+          </p:nvPr>
+        </p:nvSpPr>
+        <p:spPr/>
+        <p:txBody>
+          <a:bodyPr/>
+          <a:lstStyle/>
+          <a:p>
+            <a:r>
+              <a:rPr lang="en-US" dirty="0" smtClean="0"/>
+              <a:t>8.</a:t>
+            </a:r>
+            <a:r>
+              <a:rPr lang="en-US" baseline="0" dirty="0" smtClean="0"/>
+              <a:t> AESTHETICS</a:t>
+            </a:r>
+            <a:endParaRPr lang="en-US" dirty="0"/>
+          </a:p>
+        </p:txBody>
+      </p:sp>
+      <p:sp>
+        <p:nvSpPr>
+          <p:cNvPr id="4" name="Slide Number Placeholder 3"/>
+          <p:cNvSpPr>
+            <a:spLocks noGrp="1"/>
+          </p:cNvSpPr>
+          <p:nvPr>
+            <p:ph type="sldNum" sz="quarter" idx="10"/>
+          </p:nvPr>
+        </p:nvSpPr>
+        <p:spPr/>
+        <p:txBody>
+          <a:bodyPr/>
+          <a:lstStyle/>
+          <a:p>
+            <a:fld id="{5B27187B-EE77-4C24-A527-8E5A52A6AF03}" type="slidenum">
+              <a:rPr lang="en-US" smtClean="0"/>
+              <a:t>8</a:t>
+            </a:fld>
+            <a:endParaRPr lang="en-US"/>
+          </a:p>
+        </p:txBody>
+      </p:sp>
+    </p:spTree>
+    <p:extLst>
+      <p:ext uri="{BB962C8B-B14F-4D97-AF65-F5344CB8AC3E}">
+        <p14:creationId xmlns:p14="http://schemas.microsoft.com/office/powerpoint/2010/main" val="647240379"/>
+      </p:ext>
+    </p:extLst>
+  </p:cSld>
+  <p:clrMapOvr>
+    <a:masterClrMapping/>
+  </p:clrMapOvr>
+</p:notes>
+</file>
+
+<file path=ppt/notesSlides/notesSlide9.xml><?xml version="1.0" encoding="utf-8"?>
+<p:notes xmlns:a="http://schemas.openxmlformats.org/drawingml/2006/main" xmlns:r="http://schemas.openxmlformats.org/officeDocument/2006/relationships" xmlns:p="http://schemas.openxmlformats.org/presentationml/2006/main">
+  <p:cSld>
+    <p:spTree>
+      <p:nvGrpSpPr>
+        <p:cNvPr id="1" name=""/>
+        <p:cNvGrpSpPr/>
+        <p:nvPr/>
+      </p:nvGrpSpPr>
+      <p:grpSpPr>
+        <a:xfrm>
+          <a:off x="0" y="0"/>
+          <a:ext cx="0" cy="0"/>
+          <a:chOff x="0" y="0"/>
+          <a:chExt cx="0" cy="0"/>
+        </a:xfrm>
+      </p:grpSpPr>
+      <p:sp>
+        <p:nvSpPr>
+          <p:cNvPr id="2" name="Slide Image Placeholder 1"/>
+          <p:cNvSpPr>
+            <a:spLocks noGrp="1" noRot="1" noChangeAspect="1"/>
+          </p:cNvSpPr>
+          <p:nvPr>
+            <p:ph type="sldImg"/>
+          </p:nvPr>
+        </p:nvSpPr>
+        <p:spPr/>
+      </p:sp>
+      <p:sp>
+        <p:nvSpPr>
+          <p:cNvPr id="3" name="Notes Placeholder 2"/>
+          <p:cNvSpPr>
+            <a:spLocks noGrp="1"/>
+          </p:cNvSpPr>
+          <p:nvPr>
+            <p:ph type="body" idx="1"/>
+          </p:nvPr>
+        </p:nvSpPr>
+        <p:spPr/>
+        <p:txBody>
+          <a:bodyPr/>
+          <a:lstStyle/>
+          <a:p>
+            <a:r>
+              <a:rPr lang="en-US" dirty="0" smtClean="0"/>
+              <a:t>9. ERROR</a:t>
+            </a:r>
+            <a:r>
+              <a:rPr lang="en-US" baseline="0" dirty="0" smtClean="0"/>
+              <a:t> RECOVERY</a:t>
+            </a:r>
+            <a:endParaRPr lang="en-US" dirty="0"/>
+          </a:p>
+        </p:txBody>
+      </p:sp>
+      <p:sp>
+        <p:nvSpPr>
+          <p:cNvPr id="4" name="Slide Number Placeholder 3"/>
+          <p:cNvSpPr>
+            <a:spLocks noGrp="1"/>
+          </p:cNvSpPr>
+          <p:nvPr>
+            <p:ph type="sldNum" sz="quarter" idx="10"/>
+          </p:nvPr>
+        </p:nvSpPr>
+        <p:spPr/>
+        <p:txBody>
+          <a:bodyPr/>
+          <a:lstStyle/>
+          <a:p>
+            <a:fld id="{5B27187B-EE77-4C24-A527-8E5A52A6AF03}" type="slidenum">
+              <a:rPr lang="en-US" smtClean="0"/>
+              <a:t>9</a:t>
+            </a:fld>
+            <a:endParaRPr lang="en-US"/>
+          </a:p>
+        </p:txBody>
+      </p:sp>
+    </p:spTree>
+    <p:extLst>
+      <p:ext uri="{BB962C8B-B14F-4D97-AF65-F5344CB8AC3E}">
+        <p14:creationId xmlns:p14="http://schemas.microsoft.com/office/powerpoint/2010/main" val="647240379"/>
       </p:ext>
     </p:extLst>
   </p:cSld>
@@ -840,7 +1570,7 @@
           <a:p>
             <a:fld id="{EAECA185-93DD-46AE-81C9-D557F0369B5D}" type="datetimeFigureOut">
               <a:rPr lang="en-US" smtClean="0"/>
-              <a:t>2/7/2012</a:t>
+              <a:t>2/8/2012</a:t>
             </a:fld>
             <a:endParaRPr lang="en-US"/>
           </a:p>
@@ -1010,7 +1740,7 @@
           <a:p>
             <a:fld id="{EAECA185-93DD-46AE-81C9-D557F0369B5D}" type="datetimeFigureOut">
               <a:rPr lang="en-US" smtClean="0"/>
-              <a:t>2/7/2012</a:t>
+              <a:t>2/8/2012</a:t>
             </a:fld>
             <a:endParaRPr lang="en-US"/>
           </a:p>
@@ -1190,7 +1920,7 @@
           <a:p>
             <a:fld id="{EAECA185-93DD-46AE-81C9-D557F0369B5D}" type="datetimeFigureOut">
               <a:rPr lang="en-US" smtClean="0"/>
-              <a:t>2/7/2012</a:t>
+              <a:t>2/8/2012</a:t>
             </a:fld>
             <a:endParaRPr lang="en-US"/>
           </a:p>
@@ -1360,7 +2090,7 @@
           <a:p>
             <a:fld id="{EAECA185-93DD-46AE-81C9-D557F0369B5D}" type="datetimeFigureOut">
               <a:rPr lang="en-US" smtClean="0"/>
-              <a:t>2/7/2012</a:t>
+              <a:t>2/8/2012</a:t>
             </a:fld>
             <a:endParaRPr lang="en-US"/>
           </a:p>
@@ -1606,7 +2336,7 @@
           <a:p>
             <a:fld id="{EAECA185-93DD-46AE-81C9-D557F0369B5D}" type="datetimeFigureOut">
               <a:rPr lang="en-US" smtClean="0"/>
-              <a:t>2/7/2012</a:t>
+              <a:t>2/8/2012</a:t>
             </a:fld>
             <a:endParaRPr lang="en-US"/>
           </a:p>
@@ -1894,7 +2624,7 @@
           <a:p>
             <a:fld id="{EAECA185-93DD-46AE-81C9-D557F0369B5D}" type="datetimeFigureOut">
               <a:rPr lang="en-US" smtClean="0"/>
-              <a:t>2/7/2012</a:t>
+              <a:t>2/8/2012</a:t>
             </a:fld>
             <a:endParaRPr lang="en-US"/>
           </a:p>
@@ -2316,7 +3046,7 @@
           <a:p>
             <a:fld id="{EAECA185-93DD-46AE-81C9-D557F0369B5D}" type="datetimeFigureOut">
               <a:rPr lang="en-US" smtClean="0"/>
-              <a:t>2/7/2012</a:t>
+              <a:t>2/8/2012</a:t>
             </a:fld>
             <a:endParaRPr lang="en-US"/>
           </a:p>
@@ -2434,7 +3164,7 @@
           <a:p>
             <a:fld id="{EAECA185-93DD-46AE-81C9-D557F0369B5D}" type="datetimeFigureOut">
               <a:rPr lang="en-US" smtClean="0"/>
-              <a:t>2/7/2012</a:t>
+              <a:t>2/8/2012</a:t>
             </a:fld>
             <a:endParaRPr lang="en-US"/>
           </a:p>
@@ -2529,7 +3259,7 @@
           <a:p>
             <a:fld id="{EAECA185-93DD-46AE-81C9-D557F0369B5D}" type="datetimeFigureOut">
               <a:rPr lang="en-US" smtClean="0"/>
-              <a:t>2/7/2012</a:t>
+              <a:t>2/8/2012</a:t>
             </a:fld>
             <a:endParaRPr lang="en-US"/>
           </a:p>
@@ -2806,7 +3536,7 @@
           <a:p>
             <a:fld id="{EAECA185-93DD-46AE-81C9-D557F0369B5D}" type="datetimeFigureOut">
               <a:rPr lang="en-US" smtClean="0"/>
-              <a:t>2/7/2012</a:t>
+              <a:t>2/8/2012</a:t>
             </a:fld>
             <a:endParaRPr lang="en-US"/>
           </a:p>
@@ -3059,7 +3789,7 @@
           <a:p>
             <a:fld id="{EAECA185-93DD-46AE-81C9-D557F0369B5D}" type="datetimeFigureOut">
               <a:rPr lang="en-US" smtClean="0"/>
-              <a:t>2/7/2012</a:t>
+              <a:t>2/8/2012</a:t>
             </a:fld>
             <a:endParaRPr lang="en-US"/>
           </a:p>
@@ -3272,7 +4002,7 @@
           <a:p>
             <a:fld id="{EAECA185-93DD-46AE-81C9-D557F0369B5D}" type="datetimeFigureOut">
               <a:rPr lang="en-US" smtClean="0"/>
-              <a:t>2/7/2012</a:t>
+              <a:t>2/8/2012</a:t>
             </a:fld>
             <a:endParaRPr lang="en-US"/>
           </a:p>
@@ -3882,7 +4612,267 @@
 </p:sld>
 </file>
 
+<file path=ppt/slides/slide10.xml><?xml version="1.0" encoding="utf-8"?>
+<p:sld xmlns:a="http://schemas.openxmlformats.org/drawingml/2006/main" xmlns:r="http://schemas.openxmlformats.org/officeDocument/2006/relationships" xmlns:p="http://schemas.openxmlformats.org/presentationml/2006/main">
+  <p:cSld>
+    <p:spTree>
+      <p:nvGrpSpPr>
+        <p:cNvPr id="1" name=""/>
+        <p:cNvGrpSpPr/>
+        <p:nvPr/>
+      </p:nvGrpSpPr>
+      <p:grpSpPr>
+        <a:xfrm>
+          <a:off x="0" y="0"/>
+          <a:ext cx="0" cy="0"/>
+          <a:chOff x="0" y="0"/>
+          <a:chExt cx="0" cy="0"/>
+        </a:xfrm>
+      </p:grpSpPr>
+    </p:spTree>
+    <p:extLst>
+      <p:ext uri="{BB962C8B-B14F-4D97-AF65-F5344CB8AC3E}">
+        <p14:creationId xmlns:p14="http://schemas.microsoft.com/office/powerpoint/2010/main" val="429132639"/>
+      </p:ext>
+    </p:extLst>
+  </p:cSld>
+  <p:clrMapOvr>
+    <a:masterClrMapping/>
+  </p:clrMapOvr>
+</p:sld>
+</file>
+
 <file path=ppt/slides/slide2.xml><?xml version="1.0" encoding="utf-8"?>
+<p:sld xmlns:a="http://schemas.openxmlformats.org/drawingml/2006/main" xmlns:r="http://schemas.openxmlformats.org/officeDocument/2006/relationships" xmlns:p="http://schemas.openxmlformats.org/presentationml/2006/main">
+  <p:cSld>
+    <p:spTree>
+      <p:nvGrpSpPr>
+        <p:cNvPr id="1" name=""/>
+        <p:cNvGrpSpPr/>
+        <p:nvPr/>
+      </p:nvGrpSpPr>
+      <p:grpSpPr>
+        <a:xfrm>
+          <a:off x="0" y="0"/>
+          <a:ext cx="0" cy="0"/>
+          <a:chOff x="0" y="0"/>
+          <a:chExt cx="0" cy="0"/>
+        </a:xfrm>
+      </p:grpSpPr>
+      <p:pic>
+        <p:nvPicPr>
+          <p:cNvPr id="1026" name="Picture 2"/>
+          <p:cNvPicPr>
+            <a:picLocks noChangeAspect="1" noChangeArrowheads="1"/>
+          </p:cNvPicPr>
+          <p:nvPr/>
+        </p:nvPicPr>
+        <p:blipFill>
+          <a:blip r:embed="rId3">
+            <a:extLst>
+              <a:ext uri="{28A0092B-C50C-407E-A947-70E740481C1C}">
+                <a14:useLocalDpi xmlns:a14="http://schemas.microsoft.com/office/drawing/2010/main" val="0"/>
+              </a:ext>
+            </a:extLst>
+          </a:blip>
+          <a:srcRect/>
+          <a:stretch>
+            <a:fillRect/>
+          </a:stretch>
+        </p:blipFill>
+        <p:spPr bwMode="auto">
+          <a:xfrm>
+            <a:off x="914400" y="457200"/>
+            <a:ext cx="7267575" cy="5895975"/>
+          </a:xfrm>
+          <a:prstGeom prst="rect">
+            <a:avLst/>
+          </a:prstGeom>
+          <a:noFill/>
+          <a:ln>
+            <a:noFill/>
+          </a:ln>
+          <a:effectLst/>
+          <a:extLst>
+            <a:ext uri="{909E8E84-426E-40DD-AFC4-6F175D3DCCD1}">
+              <a14:hiddenFill xmlns:a14="http://schemas.microsoft.com/office/drawing/2010/main">
+                <a:solidFill>
+                  <a:schemeClr val="accent1"/>
+                </a:solidFill>
+              </a14:hiddenFill>
+            </a:ext>
+            <a:ext uri="{91240B29-F687-4F45-9708-019B960494DF}">
+              <a14:hiddenLine xmlns:a14="http://schemas.microsoft.com/office/drawing/2010/main" w="9525">
+                <a:solidFill>
+                  <a:schemeClr val="tx1"/>
+                </a:solidFill>
+                <a:miter lim="800000"/>
+                <a:headEnd/>
+                <a:tailEnd/>
+              </a14:hiddenLine>
+            </a:ext>
+            <a:ext uri="{AF507438-7753-43E0-B8FC-AC1667EBCBE1}">
+              <a14:hiddenEffects xmlns:a14="http://schemas.microsoft.com/office/drawing/2010/main">
+                <a:effectLst>
+                  <a:outerShdw dist="35921" dir="2700000" algn="ctr" rotWithShape="0">
+                    <a:schemeClr val="bg2"/>
+                  </a:outerShdw>
+                </a:effectLst>
+              </a14:hiddenEffects>
+            </a:ext>
+          </a:extLst>
+        </p:spPr>
+      </p:pic>
+    </p:spTree>
+    <p:extLst>
+      <p:ext uri="{BB962C8B-B14F-4D97-AF65-F5344CB8AC3E}">
+        <p14:creationId xmlns:p14="http://schemas.microsoft.com/office/powerpoint/2010/main" val="3849418891"/>
+      </p:ext>
+    </p:extLst>
+  </p:cSld>
+  <p:clrMapOvr>
+    <a:masterClrMapping/>
+  </p:clrMapOvr>
+</p:sld>
+</file>
+
+<file path=ppt/slides/slide3.xml><?xml version="1.0" encoding="utf-8"?>
+<p:sld xmlns:a="http://schemas.openxmlformats.org/drawingml/2006/main" xmlns:r="http://schemas.openxmlformats.org/officeDocument/2006/relationships" xmlns:p="http://schemas.openxmlformats.org/presentationml/2006/main">
+  <p:cSld>
+    <p:spTree>
+      <p:nvGrpSpPr>
+        <p:cNvPr id="1" name=""/>
+        <p:cNvGrpSpPr/>
+        <p:nvPr/>
+      </p:nvGrpSpPr>
+      <p:grpSpPr>
+        <a:xfrm>
+          <a:off x="0" y="0"/>
+          <a:ext cx="0" cy="0"/>
+          <a:chOff x="0" y="0"/>
+          <a:chExt cx="0" cy="0"/>
+        </a:xfrm>
+      </p:grpSpPr>
+      <p:sp>
+        <p:nvSpPr>
+          <p:cNvPr id="2" name="Rectangle 1"/>
+          <p:cNvSpPr/>
+          <p:nvPr/>
+        </p:nvSpPr>
+        <p:spPr>
+          <a:xfrm>
+            <a:off x="1219200" y="3240704"/>
+            <a:ext cx="3278945" cy="277091"/>
+          </a:xfrm>
+          <a:prstGeom prst="rect">
+            <a:avLst/>
+          </a:prstGeom>
+          <a:noFill/>
+          <a:ln>
+            <a:solidFill>
+              <a:srgbClr val="0000FF"/>
+            </a:solidFill>
+          </a:ln>
+        </p:spPr>
+        <p:style>
+          <a:lnRef idx="2">
+            <a:schemeClr val="accent1">
+              <a:shade val="50000"/>
+            </a:schemeClr>
+          </a:lnRef>
+          <a:fillRef idx="1">
+            <a:schemeClr val="accent1"/>
+          </a:fillRef>
+          <a:effectRef idx="0">
+            <a:schemeClr val="accent1"/>
+          </a:effectRef>
+          <a:fontRef idx="minor">
+            <a:schemeClr val="lt1"/>
+          </a:fontRef>
+        </p:style>
+        <p:txBody>
+          <a:bodyPr rtlCol="0" anchor="ctr"/>
+          <a:lstStyle/>
+          <a:p>
+            <a:pPr algn="ctr"/>
+            <a:endParaRPr lang="en-US"/>
+          </a:p>
+        </p:txBody>
+      </p:sp>
+    </p:spTree>
+    <p:extLst>
+      <p:ext uri="{BB962C8B-B14F-4D97-AF65-F5344CB8AC3E}">
+        <p14:creationId xmlns:p14="http://schemas.microsoft.com/office/powerpoint/2010/main" val="1672676997"/>
+      </p:ext>
+    </p:extLst>
+  </p:cSld>
+  <p:clrMapOvr>
+    <a:masterClrMapping/>
+  </p:clrMapOvr>
+</p:sld>
+</file>
+
+<file path=ppt/slides/slide4.xml><?xml version="1.0" encoding="utf-8"?>
+<p:sld xmlns:a="http://schemas.openxmlformats.org/drawingml/2006/main" xmlns:r="http://schemas.openxmlformats.org/officeDocument/2006/relationships" xmlns:p="http://schemas.openxmlformats.org/presentationml/2006/main">
+  <p:cSld>
+    <p:spTree>
+      <p:nvGrpSpPr>
+        <p:cNvPr id="1" name=""/>
+        <p:cNvGrpSpPr/>
+        <p:nvPr/>
+      </p:nvGrpSpPr>
+      <p:grpSpPr>
+        <a:xfrm>
+          <a:off x="0" y="0"/>
+          <a:ext cx="0" cy="0"/>
+          <a:chOff x="0" y="0"/>
+          <a:chExt cx="0" cy="0"/>
+        </a:xfrm>
+      </p:grpSpPr>
+    </p:spTree>
+    <p:extLst>
+      <p:ext uri="{BB962C8B-B14F-4D97-AF65-F5344CB8AC3E}">
+        <p14:creationId xmlns:p14="http://schemas.microsoft.com/office/powerpoint/2010/main" val="2520100331"/>
+      </p:ext>
+    </p:extLst>
+  </p:cSld>
+  <p:clrMapOvr>
+    <a:masterClrMapping/>
+  </p:clrMapOvr>
+</p:sld>
+</file>
+
+<file path=ppt/slides/slide5.xml><?xml version="1.0" encoding="utf-8"?>
+<p:sld xmlns:a="http://schemas.openxmlformats.org/drawingml/2006/main" xmlns:r="http://schemas.openxmlformats.org/officeDocument/2006/relationships" xmlns:p="http://schemas.openxmlformats.org/presentationml/2006/main">
+  <p:cSld>
+    <p:spTree>
+      <p:nvGrpSpPr>
+        <p:cNvPr id="1" name=""/>
+        <p:cNvGrpSpPr/>
+        <p:nvPr/>
+      </p:nvGrpSpPr>
+      <p:grpSpPr>
+        <a:xfrm>
+          <a:off x="0" y="0"/>
+          <a:ext cx="0" cy="0"/>
+          <a:chOff x="0" y="0"/>
+          <a:chExt cx="0" cy="0"/>
+        </a:xfrm>
+      </p:grpSpPr>
+    </p:spTree>
+    <p:extLst>
+      <p:ext uri="{BB962C8B-B14F-4D97-AF65-F5344CB8AC3E}">
+        <p14:creationId xmlns:p14="http://schemas.microsoft.com/office/powerpoint/2010/main" val="3706952386"/>
+      </p:ext>
+    </p:extLst>
+  </p:cSld>
+  <p:clrMapOvr>
+    <a:masterClrMapping/>
+  </p:clrMapOvr>
+</p:sld>
+</file>
+
+<file path=ppt/slides/slide6.xml><?xml version="1.0" encoding="utf-8"?>
 <p:sld xmlns:a="http://schemas.openxmlformats.org/drawingml/2006/main" xmlns:r="http://schemas.openxmlformats.org/officeDocument/2006/relationships" xmlns:p="http://schemas.openxmlformats.org/presentationml/2006/main">
   <p:cSld>
     <p:spTree>
@@ -4181,6 +5171,96 @@
       </p:par>
     </p:tnLst>
   </p:timing>
+</p:sld>
+</file>
+
+<file path=ppt/slides/slide7.xml><?xml version="1.0" encoding="utf-8"?>
+<p:sld xmlns:a="http://schemas.openxmlformats.org/drawingml/2006/main" xmlns:r="http://schemas.openxmlformats.org/officeDocument/2006/relationships" xmlns:p="http://schemas.openxmlformats.org/presentationml/2006/main">
+  <p:cSld>
+    <p:spTree>
+      <p:nvGrpSpPr>
+        <p:cNvPr id="1" name=""/>
+        <p:cNvGrpSpPr/>
+        <p:nvPr/>
+      </p:nvGrpSpPr>
+      <p:grpSpPr>
+        <a:xfrm>
+          <a:off x="0" y="0"/>
+          <a:ext cx="0" cy="0"/>
+          <a:chOff x="0" y="0"/>
+          <a:chExt cx="0" cy="0"/>
+        </a:xfrm>
+      </p:grpSpPr>
+    </p:spTree>
+    <p:extLst>
+      <p:ext uri="{BB962C8B-B14F-4D97-AF65-F5344CB8AC3E}">
+        <p14:creationId xmlns:p14="http://schemas.microsoft.com/office/powerpoint/2010/main" val="1731446790"/>
+      </p:ext>
+    </p:extLst>
+  </p:cSld>
+  <p:clrMapOvr>
+    <a:masterClrMapping/>
+  </p:clrMapOvr>
+</p:sld>
+</file>
+
+<file path=ppt/slides/slide8.xml><?xml version="1.0" encoding="utf-8"?>
+<p:sld xmlns:a="http://schemas.openxmlformats.org/drawingml/2006/main" xmlns:r="http://schemas.openxmlformats.org/officeDocument/2006/relationships" xmlns:p="http://schemas.openxmlformats.org/presentationml/2006/main">
+  <p:cSld>
+    <p:spTree>
+      <p:nvGrpSpPr>
+        <p:cNvPr id="1" name=""/>
+        <p:cNvGrpSpPr/>
+        <p:nvPr/>
+      </p:nvGrpSpPr>
+      <p:grpSpPr>
+        <a:xfrm>
+          <a:off x="0" y="0"/>
+          <a:ext cx="0" cy="0"/>
+          <a:chOff x="0" y="0"/>
+          <a:chExt cx="0" cy="0"/>
+        </a:xfrm>
+      </p:grpSpPr>
+    </p:spTree>
+    <p:extLst>
+      <p:ext uri="{BB962C8B-B14F-4D97-AF65-F5344CB8AC3E}">
+        <p14:creationId xmlns:p14="http://schemas.microsoft.com/office/powerpoint/2010/main" val="8764494"/>
+      </p:ext>
+    </p:extLst>
+  </p:cSld>
+  <p:clrMapOvr>
+    <a:masterClrMapping/>
+  </p:clrMapOvr>
+</p:sld>
+</file>
+
+<file path=ppt/slides/slide9.xml><?xml version="1.0" encoding="utf-8"?>
+<p:sld xmlns:a="http://schemas.openxmlformats.org/drawingml/2006/main" xmlns:r="http://schemas.openxmlformats.org/officeDocument/2006/relationships" xmlns:p="http://schemas.openxmlformats.org/presentationml/2006/main">
+  <p:cSld>
+    <p:spTree>
+      <p:nvGrpSpPr>
+        <p:cNvPr id="1" name=""/>
+        <p:cNvGrpSpPr/>
+        <p:nvPr/>
+      </p:nvGrpSpPr>
+      <p:grpSpPr>
+        <a:xfrm>
+          <a:off x="0" y="0"/>
+          <a:ext cx="0" cy="0"/>
+          <a:chOff x="0" y="0"/>
+          <a:chExt cx="0" cy="0"/>
+        </a:xfrm>
+      </p:grpSpPr>
+    </p:spTree>
+    <p:extLst>
+      <p:ext uri="{BB962C8B-B14F-4D97-AF65-F5344CB8AC3E}">
+        <p14:creationId xmlns:p14="http://schemas.microsoft.com/office/powerpoint/2010/main" val="1925764926"/>
+      </p:ext>
+    </p:extLst>
+  </p:cSld>
+  <p:clrMapOvr>
+    <a:masterClrMapping/>
+  </p:clrMapOvr>
 </p:sld>
 </file>
 

--- a/rachel_usability screenshots_pptx.pptx
+++ b/rachel_usability screenshots_pptx.pptx
@@ -873,7 +873,17 @@
           <a:p>
             <a:r>
               <a:rPr lang="en-US" dirty="0" smtClean="0"/>
-              <a:t>4. CONSISTENCY</a:t>
+              <a:t>4. </a:t>
+            </a:r>
+            <a:r>
+              <a:rPr lang="en-US" dirty="0" smtClean="0"/>
+              <a:t>CONSISTENCY</a:t>
+            </a:r>
+          </a:p>
+          <a:p>
+            <a:r>
+              <a:rPr lang="en-US" smtClean="0"/>
+              <a:t>-</a:t>
             </a:r>
             <a:endParaRPr lang="en-US" dirty="0"/>
           </a:p>
@@ -4755,7 +4765,7 @@
       </p:grpSpPr>
       <p:sp>
         <p:nvSpPr>
-          <p:cNvPr id="2" name="Rectangle 1"/>
+          <p:cNvPr id="5" name="Rectangle 4"/>
           <p:cNvSpPr/>
           <p:nvPr/>
         </p:nvSpPr>
@@ -4829,6 +4839,586 @@
           <a:chExt cx="0" cy="0"/>
         </a:xfrm>
       </p:grpSpPr>
+      <p:pic>
+        <p:nvPicPr>
+          <p:cNvPr id="2050" name="Picture 2"/>
+          <p:cNvPicPr>
+            <a:picLocks noChangeAspect="1" noChangeArrowheads="1"/>
+          </p:cNvPicPr>
+          <p:nvPr/>
+        </p:nvPicPr>
+        <p:blipFill>
+          <a:blip r:embed="rId3">
+            <a:extLst>
+              <a:ext uri="{28A0092B-C50C-407E-A947-70E740481C1C}">
+                <a14:useLocalDpi xmlns:a14="http://schemas.microsoft.com/office/drawing/2010/main" val="0"/>
+              </a:ext>
+            </a:extLst>
+          </a:blip>
+          <a:srcRect/>
+          <a:stretch>
+            <a:fillRect/>
+          </a:stretch>
+        </p:blipFill>
+        <p:spPr bwMode="auto">
+          <a:xfrm>
+            <a:off x="152399" y="170954"/>
+            <a:ext cx="6142977" cy="3715246"/>
+          </a:xfrm>
+          <a:prstGeom prst="rect">
+            <a:avLst/>
+          </a:prstGeom>
+          <a:noFill/>
+          <a:ln>
+            <a:noFill/>
+          </a:ln>
+          <a:effectLst/>
+          <a:extLst>
+            <a:ext uri="{909E8E84-426E-40DD-AFC4-6F175D3DCCD1}">
+              <a14:hiddenFill xmlns:a14="http://schemas.microsoft.com/office/drawing/2010/main">
+                <a:solidFill>
+                  <a:schemeClr val="accent1"/>
+                </a:solidFill>
+              </a14:hiddenFill>
+            </a:ext>
+            <a:ext uri="{91240B29-F687-4F45-9708-019B960494DF}">
+              <a14:hiddenLine xmlns:a14="http://schemas.microsoft.com/office/drawing/2010/main" w="9525">
+                <a:solidFill>
+                  <a:schemeClr val="tx1"/>
+                </a:solidFill>
+                <a:miter lim="800000"/>
+                <a:headEnd/>
+                <a:tailEnd/>
+              </a14:hiddenLine>
+            </a:ext>
+            <a:ext uri="{AF507438-7753-43E0-B8FC-AC1667EBCBE1}">
+              <a14:hiddenEffects xmlns:a14="http://schemas.microsoft.com/office/drawing/2010/main">
+                <a:effectLst>
+                  <a:outerShdw dist="35921" dir="2700000" algn="ctr" rotWithShape="0">
+                    <a:schemeClr val="bg2"/>
+                  </a:outerShdw>
+                </a:effectLst>
+              </a14:hiddenEffects>
+            </a:ext>
+          </a:extLst>
+        </p:spPr>
+      </p:pic>
+      <p:sp>
+        <p:nvSpPr>
+          <p:cNvPr id="4" name="Rectangle 3"/>
+          <p:cNvSpPr/>
+          <p:nvPr/>
+        </p:nvSpPr>
+        <p:spPr>
+          <a:xfrm>
+            <a:off x="755750" y="256309"/>
+            <a:ext cx="1149250" cy="277091"/>
+          </a:xfrm>
+          <a:prstGeom prst="rect">
+            <a:avLst/>
+          </a:prstGeom>
+          <a:noFill/>
+          <a:ln>
+            <a:solidFill>
+              <a:srgbClr val="0000FF"/>
+            </a:solidFill>
+          </a:ln>
+        </p:spPr>
+        <p:style>
+          <a:lnRef idx="2">
+            <a:schemeClr val="accent1">
+              <a:shade val="50000"/>
+            </a:schemeClr>
+          </a:lnRef>
+          <a:fillRef idx="1">
+            <a:schemeClr val="accent1"/>
+          </a:fillRef>
+          <a:effectRef idx="0">
+            <a:schemeClr val="accent1"/>
+          </a:effectRef>
+          <a:fontRef idx="minor">
+            <a:schemeClr val="lt1"/>
+          </a:fontRef>
+        </p:style>
+        <p:txBody>
+          <a:bodyPr rtlCol="0" anchor="ctr"/>
+          <a:lstStyle/>
+          <a:p>
+            <a:pPr algn="ctr"/>
+            <a:endParaRPr lang="en-US"/>
+          </a:p>
+        </p:txBody>
+      </p:sp>
+      <p:pic>
+        <p:nvPicPr>
+          <p:cNvPr id="2051" name="Picture 3"/>
+          <p:cNvPicPr>
+            <a:picLocks noChangeAspect="1" noChangeArrowheads="1"/>
+          </p:cNvPicPr>
+          <p:nvPr/>
+        </p:nvPicPr>
+        <p:blipFill>
+          <a:blip r:embed="rId4">
+            <a:extLst>
+              <a:ext uri="{28A0092B-C50C-407E-A947-70E740481C1C}">
+                <a14:useLocalDpi xmlns:a14="http://schemas.microsoft.com/office/drawing/2010/main" val="0"/>
+              </a:ext>
+            </a:extLst>
+          </a:blip>
+          <a:srcRect/>
+          <a:stretch>
+            <a:fillRect/>
+          </a:stretch>
+        </p:blipFill>
+        <p:spPr bwMode="auto">
+          <a:xfrm>
+            <a:off x="417462" y="1397054"/>
+            <a:ext cx="1838325" cy="571500"/>
+          </a:xfrm>
+          <a:prstGeom prst="rect">
+            <a:avLst/>
+          </a:prstGeom>
+          <a:noFill/>
+          <a:ln>
+            <a:noFill/>
+          </a:ln>
+          <a:effectLst/>
+          <a:extLst>
+            <a:ext uri="{909E8E84-426E-40DD-AFC4-6F175D3DCCD1}">
+              <a14:hiddenFill xmlns:a14="http://schemas.microsoft.com/office/drawing/2010/main">
+                <a:solidFill>
+                  <a:schemeClr val="accent1"/>
+                </a:solidFill>
+              </a14:hiddenFill>
+            </a:ext>
+            <a:ext uri="{91240B29-F687-4F45-9708-019B960494DF}">
+              <a14:hiddenLine xmlns:a14="http://schemas.microsoft.com/office/drawing/2010/main" w="9525">
+                <a:solidFill>
+                  <a:schemeClr val="tx1"/>
+                </a:solidFill>
+                <a:miter lim="800000"/>
+                <a:headEnd/>
+                <a:tailEnd/>
+              </a14:hiddenLine>
+            </a:ext>
+            <a:ext uri="{AF507438-7753-43E0-B8FC-AC1667EBCBE1}">
+              <a14:hiddenEffects xmlns:a14="http://schemas.microsoft.com/office/drawing/2010/main">
+                <a:effectLst>
+                  <a:outerShdw dist="35921" dir="2700000" algn="ctr" rotWithShape="0">
+                    <a:schemeClr val="bg2"/>
+                  </a:outerShdw>
+                </a:effectLst>
+              </a14:hiddenEffects>
+            </a:ext>
+          </a:extLst>
+        </p:spPr>
+      </p:pic>
+      <p:sp>
+        <p:nvSpPr>
+          <p:cNvPr id="6" name="Rectangle 5"/>
+          <p:cNvSpPr/>
+          <p:nvPr/>
+        </p:nvSpPr>
+        <p:spPr>
+          <a:xfrm>
+            <a:off x="326233" y="1338697"/>
+            <a:ext cx="2035967" cy="718703"/>
+          </a:xfrm>
+          <a:prstGeom prst="rect">
+            <a:avLst/>
+          </a:prstGeom>
+          <a:noFill/>
+          <a:ln>
+            <a:solidFill>
+              <a:srgbClr val="0000FF"/>
+            </a:solidFill>
+          </a:ln>
+        </p:spPr>
+        <p:style>
+          <a:lnRef idx="2">
+            <a:schemeClr val="accent1">
+              <a:shade val="50000"/>
+            </a:schemeClr>
+          </a:lnRef>
+          <a:fillRef idx="1">
+            <a:schemeClr val="accent1"/>
+          </a:fillRef>
+          <a:effectRef idx="0">
+            <a:schemeClr val="accent1"/>
+          </a:effectRef>
+          <a:fontRef idx="minor">
+            <a:schemeClr val="lt1"/>
+          </a:fontRef>
+        </p:style>
+        <p:txBody>
+          <a:bodyPr rtlCol="0" anchor="ctr"/>
+          <a:lstStyle/>
+          <a:p>
+            <a:pPr algn="ctr"/>
+            <a:endParaRPr lang="en-US"/>
+          </a:p>
+        </p:txBody>
+      </p:sp>
+      <p:cxnSp>
+        <p:nvCxnSpPr>
+          <p:cNvPr id="5" name="Straight Connector 4"/>
+          <p:cNvCxnSpPr/>
+          <p:nvPr/>
+        </p:nvCxnSpPr>
+        <p:spPr>
+          <a:xfrm flipH="1">
+            <a:off x="326234" y="533400"/>
+            <a:ext cx="1004141" cy="805297"/>
+          </a:xfrm>
+          <a:prstGeom prst="line">
+            <a:avLst/>
+          </a:prstGeom>
+          <a:ln w="28575">
+            <a:solidFill>
+              <a:srgbClr val="0000FF"/>
+            </a:solidFill>
+          </a:ln>
+        </p:spPr>
+        <p:style>
+          <a:lnRef idx="1">
+            <a:schemeClr val="accent1"/>
+          </a:lnRef>
+          <a:fillRef idx="0">
+            <a:schemeClr val="accent1"/>
+          </a:fillRef>
+          <a:effectRef idx="0">
+            <a:schemeClr val="accent1"/>
+          </a:effectRef>
+          <a:fontRef idx="minor">
+            <a:schemeClr val="tx1"/>
+          </a:fontRef>
+        </p:style>
+      </p:cxnSp>
+      <p:cxnSp>
+        <p:nvCxnSpPr>
+          <p:cNvPr id="9" name="Straight Connector 8"/>
+          <p:cNvCxnSpPr/>
+          <p:nvPr/>
+        </p:nvCxnSpPr>
+        <p:spPr>
+          <a:xfrm>
+            <a:off x="1330375" y="533400"/>
+            <a:ext cx="1025575" cy="805297"/>
+          </a:xfrm>
+          <a:prstGeom prst="line">
+            <a:avLst/>
+          </a:prstGeom>
+          <a:ln w="28575">
+            <a:solidFill>
+              <a:srgbClr val="0000FF"/>
+            </a:solidFill>
+          </a:ln>
+        </p:spPr>
+        <p:style>
+          <a:lnRef idx="1">
+            <a:schemeClr val="accent1"/>
+          </a:lnRef>
+          <a:fillRef idx="0">
+            <a:schemeClr val="accent1"/>
+          </a:fillRef>
+          <a:effectRef idx="0">
+            <a:schemeClr val="accent1"/>
+          </a:effectRef>
+          <a:fontRef idx="minor">
+            <a:schemeClr val="tx1"/>
+          </a:fontRef>
+        </p:style>
+      </p:cxnSp>
+      <p:pic>
+        <p:nvPicPr>
+          <p:cNvPr id="2052" name="Picture 4"/>
+          <p:cNvPicPr>
+            <a:picLocks noChangeAspect="1" noChangeArrowheads="1"/>
+          </p:cNvPicPr>
+          <p:nvPr/>
+        </p:nvPicPr>
+        <p:blipFill>
+          <a:blip r:embed="rId5">
+            <a:extLst>
+              <a:ext uri="{28A0092B-C50C-407E-A947-70E740481C1C}">
+                <a14:useLocalDpi xmlns:a14="http://schemas.microsoft.com/office/drawing/2010/main" val="0"/>
+              </a:ext>
+            </a:extLst>
+          </a:blip>
+          <a:srcRect/>
+          <a:stretch>
+            <a:fillRect/>
+          </a:stretch>
+        </p:blipFill>
+        <p:spPr bwMode="auto">
+          <a:xfrm>
+            <a:off x="3581400" y="1965023"/>
+            <a:ext cx="4806749" cy="3533775"/>
+          </a:xfrm>
+          <a:prstGeom prst="rect">
+            <a:avLst/>
+          </a:prstGeom>
+          <a:noFill/>
+          <a:ln>
+            <a:noFill/>
+          </a:ln>
+          <a:effectLst/>
+          <a:extLst>
+            <a:ext uri="{909E8E84-426E-40DD-AFC4-6F175D3DCCD1}">
+              <a14:hiddenFill xmlns:a14="http://schemas.microsoft.com/office/drawing/2010/main">
+                <a:solidFill>
+                  <a:schemeClr val="accent1"/>
+                </a:solidFill>
+              </a14:hiddenFill>
+            </a:ext>
+            <a:ext uri="{91240B29-F687-4F45-9708-019B960494DF}">
+              <a14:hiddenLine xmlns:a14="http://schemas.microsoft.com/office/drawing/2010/main" w="9525">
+                <a:solidFill>
+                  <a:schemeClr val="tx1"/>
+                </a:solidFill>
+                <a:miter lim="800000"/>
+                <a:headEnd/>
+                <a:tailEnd/>
+              </a14:hiddenLine>
+            </a:ext>
+            <a:ext uri="{AF507438-7753-43E0-B8FC-AC1667EBCBE1}">
+              <a14:hiddenEffects xmlns:a14="http://schemas.microsoft.com/office/drawing/2010/main">
+                <a:effectLst>
+                  <a:outerShdw dist="35921" dir="2700000" algn="ctr" rotWithShape="0">
+                    <a:schemeClr val="bg2"/>
+                  </a:outerShdw>
+                </a:effectLst>
+              </a14:hiddenEffects>
+            </a:ext>
+          </a:extLst>
+        </p:spPr>
+      </p:pic>
+      <p:sp>
+        <p:nvSpPr>
+          <p:cNvPr id="14" name="Rectangle 13"/>
+          <p:cNvSpPr/>
+          <p:nvPr/>
+        </p:nvSpPr>
+        <p:spPr>
+          <a:xfrm>
+            <a:off x="4140278" y="2057400"/>
+            <a:ext cx="1149250" cy="229001"/>
+          </a:xfrm>
+          <a:prstGeom prst="rect">
+            <a:avLst/>
+          </a:prstGeom>
+          <a:noFill/>
+          <a:ln>
+            <a:solidFill>
+              <a:srgbClr val="0000FF"/>
+            </a:solidFill>
+          </a:ln>
+        </p:spPr>
+        <p:style>
+          <a:lnRef idx="2">
+            <a:schemeClr val="accent1">
+              <a:shade val="50000"/>
+            </a:schemeClr>
+          </a:lnRef>
+          <a:fillRef idx="1">
+            <a:schemeClr val="accent1"/>
+          </a:fillRef>
+          <a:effectRef idx="0">
+            <a:schemeClr val="accent1"/>
+          </a:effectRef>
+          <a:fontRef idx="minor">
+            <a:schemeClr val="lt1"/>
+          </a:fontRef>
+        </p:style>
+        <p:txBody>
+          <a:bodyPr rtlCol="0" anchor="ctr"/>
+          <a:lstStyle/>
+          <a:p>
+            <a:pPr algn="ctr"/>
+            <a:endParaRPr lang="en-US"/>
+          </a:p>
+        </p:txBody>
+      </p:sp>
+      <p:pic>
+        <p:nvPicPr>
+          <p:cNvPr id="2053" name="Picture 5"/>
+          <p:cNvPicPr>
+            <a:picLocks noChangeAspect="1" noChangeArrowheads="1"/>
+          </p:cNvPicPr>
+          <p:nvPr/>
+        </p:nvPicPr>
+        <p:blipFill>
+          <a:blip r:embed="rId6">
+            <a:extLst>
+              <a:ext uri="{28A0092B-C50C-407E-A947-70E740481C1C}">
+                <a14:useLocalDpi xmlns:a14="http://schemas.microsoft.com/office/drawing/2010/main" val="0"/>
+              </a:ext>
+            </a:extLst>
+          </a:blip>
+          <a:srcRect/>
+          <a:stretch>
+            <a:fillRect/>
+          </a:stretch>
+        </p:blipFill>
+        <p:spPr bwMode="auto">
+          <a:xfrm>
+            <a:off x="6305942" y="1516638"/>
+            <a:ext cx="2152650" cy="438150"/>
+          </a:xfrm>
+          <a:prstGeom prst="rect">
+            <a:avLst/>
+          </a:prstGeom>
+          <a:noFill/>
+          <a:ln>
+            <a:noFill/>
+          </a:ln>
+          <a:effectLst/>
+          <a:extLst>
+            <a:ext uri="{909E8E84-426E-40DD-AFC4-6F175D3DCCD1}">
+              <a14:hiddenFill xmlns:a14="http://schemas.microsoft.com/office/drawing/2010/main">
+                <a:solidFill>
+                  <a:schemeClr val="accent1"/>
+                </a:solidFill>
+              </a14:hiddenFill>
+            </a:ext>
+            <a:ext uri="{91240B29-F687-4F45-9708-019B960494DF}">
+              <a14:hiddenLine xmlns:a14="http://schemas.microsoft.com/office/drawing/2010/main" w="9525">
+                <a:solidFill>
+                  <a:schemeClr val="tx1"/>
+                </a:solidFill>
+                <a:miter lim="800000"/>
+                <a:headEnd/>
+                <a:tailEnd/>
+              </a14:hiddenLine>
+            </a:ext>
+            <a:ext uri="{AF507438-7753-43E0-B8FC-AC1667EBCBE1}">
+              <a14:hiddenEffects xmlns:a14="http://schemas.microsoft.com/office/drawing/2010/main">
+                <a:effectLst>
+                  <a:outerShdw dist="35921" dir="2700000" algn="ctr" rotWithShape="0">
+                    <a:schemeClr val="bg2"/>
+                  </a:outerShdw>
+                </a:effectLst>
+              </a14:hiddenEffects>
+            </a:ext>
+          </a:extLst>
+        </p:spPr>
+      </p:pic>
+      <p:sp>
+        <p:nvSpPr>
+          <p:cNvPr id="16" name="Rectangle 15"/>
+          <p:cNvSpPr/>
+          <p:nvPr/>
+        </p:nvSpPr>
+        <p:spPr>
+          <a:xfrm>
+            <a:off x="6172200" y="1371600"/>
+            <a:ext cx="2463520" cy="718703"/>
+          </a:xfrm>
+          <a:prstGeom prst="rect">
+            <a:avLst/>
+          </a:prstGeom>
+          <a:noFill/>
+          <a:ln>
+            <a:solidFill>
+              <a:srgbClr val="0000FF"/>
+            </a:solidFill>
+          </a:ln>
+        </p:spPr>
+        <p:style>
+          <a:lnRef idx="2">
+            <a:schemeClr val="accent1">
+              <a:shade val="50000"/>
+            </a:schemeClr>
+          </a:lnRef>
+          <a:fillRef idx="1">
+            <a:schemeClr val="accent1"/>
+          </a:fillRef>
+          <a:effectRef idx="0">
+            <a:schemeClr val="accent1"/>
+          </a:effectRef>
+          <a:fontRef idx="minor">
+            <a:schemeClr val="lt1"/>
+          </a:fontRef>
+        </p:style>
+        <p:txBody>
+          <a:bodyPr rtlCol="0" anchor="ctr"/>
+          <a:lstStyle/>
+          <a:p>
+            <a:pPr algn="ctr"/>
+            <a:endParaRPr lang="en-US"/>
+          </a:p>
+        </p:txBody>
+      </p:sp>
+      <p:cxnSp>
+        <p:nvCxnSpPr>
+          <p:cNvPr id="19" name="Straight Connector 18"/>
+          <p:cNvCxnSpPr/>
+          <p:nvPr/>
+        </p:nvCxnSpPr>
+        <p:spPr>
+          <a:xfrm flipH="1">
+            <a:off x="5289528" y="1388051"/>
+            <a:ext cx="882672" cy="792075"/>
+          </a:xfrm>
+          <a:prstGeom prst="line">
+            <a:avLst/>
+          </a:prstGeom>
+          <a:ln w="28575">
+            <a:solidFill>
+              <a:srgbClr val="0000FF"/>
+            </a:solidFill>
+          </a:ln>
+        </p:spPr>
+        <p:style>
+          <a:lnRef idx="1">
+            <a:schemeClr val="accent1"/>
+          </a:lnRef>
+          <a:fillRef idx="0">
+            <a:schemeClr val="accent1"/>
+          </a:fillRef>
+          <a:effectRef idx="0">
+            <a:schemeClr val="accent1"/>
+          </a:effectRef>
+          <a:fontRef idx="minor">
+            <a:schemeClr val="tx1"/>
+          </a:fontRef>
+        </p:style>
+      </p:cxnSp>
+      <p:cxnSp>
+        <p:nvCxnSpPr>
+          <p:cNvPr id="32" name="Straight Connector 31"/>
+          <p:cNvCxnSpPr/>
+          <p:nvPr/>
+        </p:nvCxnSpPr>
+        <p:spPr>
+          <a:xfrm flipH="1">
+            <a:off x="5289528" y="2073851"/>
+            <a:ext cx="882672" cy="106275"/>
+          </a:xfrm>
+          <a:prstGeom prst="line">
+            <a:avLst/>
+          </a:prstGeom>
+          <a:ln w="28575">
+            <a:solidFill>
+              <a:srgbClr val="0000FF"/>
+            </a:solidFill>
+          </a:ln>
+        </p:spPr>
+        <p:style>
+          <a:lnRef idx="1">
+            <a:schemeClr val="accent1"/>
+          </a:lnRef>
+          <a:fillRef idx="0">
+            <a:schemeClr val="accent1"/>
+          </a:fillRef>
+          <a:effectRef idx="0">
+            <a:schemeClr val="accent1"/>
+          </a:effectRef>
+          <a:fontRef idx="minor">
+            <a:schemeClr val="tx1"/>
+          </a:fontRef>
+        </p:style>
+      </p:cxnSp>
     </p:spTree>
     <p:extLst>
       <p:ext uri="{BB962C8B-B14F-4D97-AF65-F5344CB8AC3E}">
